--- a/AI-FitHub-Revolutionizing-Wellness-with-Intelligent-Fitness-Guidance.pptx
+++ b/AI-FitHub-Revolutionizing-Wellness-with-Intelligent-Fitness-Guidance.pptx
@@ -107,7 +107,60 @@
       </a:defRPr>
     </a:lvl9pPr>
   </p:defaultTextStyle>
+  <p:extLst>
+    <p:ext uri="{EFAFB233-063F-42B5-8137-9DF3F51BA10A}">
+      <p15:sldGuideLst xmlns:p15="http://schemas.microsoft.com/office/powerpoint/2012/main">
+        <p15:guide id="1" orient="horz" pos="2592">
+          <p15:clr>
+            <a:srgbClr val="A4A3A4"/>
+          </p15:clr>
+        </p15:guide>
+        <p15:guide id="2" pos="4608">
+          <p15:clr>
+            <a:srgbClr val="A4A3A4"/>
+          </p15:clr>
+        </p15:guide>
+      </p15:sldGuideLst>
+    </p:ext>
+  </p:extLst>
 </p:presentation>
+</file>
+
+<file path=ppt/revisionInfo.xml><?xml version="1.0" encoding="utf-8"?>
+<p1510:revInfo xmlns:a="http://schemas.openxmlformats.org/drawingml/2006/main" xmlns:r="http://schemas.openxmlformats.org/officeDocument/2006/relationships" xmlns:p1510="http://schemas.microsoft.com/office/powerpoint/2015/10/main">
+  <p1510:revLst>
+    <p1510:client id="{23164446-4B01-484D-B943-7B3FD835A624}" v="20" dt="2024-05-17T16:28:28.471"/>
+  </p1510:revLst>
+</p1510:revInfo>
+</file>
+
+<file path=ppt/changesInfos/changesInfo1.xml><?xml version="1.0" encoding="utf-8"?>
+<pc:chgInfo xmlns:a="http://schemas.openxmlformats.org/drawingml/2006/main" xmlns:r="http://schemas.openxmlformats.org/officeDocument/2006/relationships" xmlns:ac="http://schemas.microsoft.com/office/drawing/2013/main/command" xmlns:pc="http://schemas.microsoft.com/office/powerpoint/2013/main/command">
+  <pc:docChgLst>
+    <pc:chgData name="NATHANIEL ABISHEK" userId="fa2b0ca753b40c96" providerId="LiveId" clId="{23164446-4B01-484D-B943-7B3FD835A624}"/>
+    <pc:docChg chg="modSld">
+      <pc:chgData name="NATHANIEL ABISHEK" userId="fa2b0ca753b40c96" providerId="LiveId" clId="{23164446-4B01-484D-B943-7B3FD835A624}" dt="2024-05-17T16:28:28.470" v="19" actId="20577"/>
+      <pc:docMkLst>
+        <pc:docMk/>
+      </pc:docMkLst>
+      <pc:sldChg chg="modSp">
+        <pc:chgData name="NATHANIEL ABISHEK" userId="fa2b0ca753b40c96" providerId="LiveId" clId="{23164446-4B01-484D-B943-7B3FD835A624}" dt="2024-05-17T16:28:28.470" v="19" actId="20577"/>
+        <pc:sldMkLst>
+          <pc:docMk/>
+          <pc:sldMk cId="0" sldId="256"/>
+        </pc:sldMkLst>
+        <pc:spChg chg="mod">
+          <ac:chgData name="NATHANIEL ABISHEK" userId="fa2b0ca753b40c96" providerId="LiveId" clId="{23164446-4B01-484D-B943-7B3FD835A624}" dt="2024-05-17T16:28:28.470" v="19" actId="20577"/>
+          <ac:spMkLst>
+            <pc:docMk/>
+            <pc:sldMk cId="0" sldId="256"/>
+            <ac:spMk id="9" creationId="{00000000-0000-0000-0000-000000000000}"/>
+          </ac:spMkLst>
+        </pc:spChg>
+      </pc:sldChg>
+    </pc:docChg>
+  </pc:docChgLst>
+</pc:chgInfo>
 </file>
 
 <file path=ppt/notesMasters/notesMaster1.xml><?xml version="1.0" encoding="utf-8"?>
@@ -192,7 +245,7 @@
           <a:p>
             <a:fld id="{67B522A5-C06F-4644-B061-38D19B378736}" type="datetimeFigureOut">
               <a:rPr lang="en-US" smtClean="0"/>
-              <a:t>2/7/2024</a:t>
+              <a:t>5/17/2024</a:t>
             </a:fld>
             <a:endParaRPr lang="en-US"/>
           </a:p>
@@ -256,38 +309,37 @@
           <a:p>
             <a:pPr lvl="0"/>
             <a:r>
-              <a:rPr lang="en-US" smtClean="0"/>
+              <a:rPr lang="en-US"/>
               <a:t>Click to edit Master text styles</a:t>
             </a:r>
           </a:p>
           <a:p>
             <a:pPr lvl="1"/>
             <a:r>
-              <a:rPr lang="en-US" smtClean="0"/>
+              <a:rPr lang="en-US"/>
               <a:t>Second level</a:t>
             </a:r>
           </a:p>
           <a:p>
             <a:pPr lvl="2"/>
             <a:r>
-              <a:rPr lang="en-US" smtClean="0"/>
+              <a:rPr lang="en-US"/>
               <a:t>Third level</a:t>
             </a:r>
           </a:p>
           <a:p>
             <a:pPr lvl="3"/>
             <a:r>
-              <a:rPr lang="en-US" smtClean="0"/>
+              <a:rPr lang="en-US"/>
               <a:t>Fourth level</a:t>
             </a:r>
           </a:p>
           <a:p>
             <a:pPr lvl="4"/>
             <a:r>
-              <a:rPr lang="en-US" smtClean="0"/>
+              <a:rPr lang="en-US"/>
               <a:t>Fifth level</a:t>
             </a:r>
-            <a:endParaRPr lang="en-US"/>
           </a:p>
         </p:txBody>
       </p:sp>
@@ -1249,18 +1301,10 @@
               </a:rPr>
               <a:t> </a:t>
             </a:r>
-            <a:endParaRPr lang="en-US" sz="6000" b="1" dirty="0" smtClean="0">
-              <a:solidFill>
-                <a:srgbClr val="60A9FF"/>
-              </a:solidFill>
-              <a:latin typeface="Barlow" pitchFamily="34" charset="0"/>
-              <a:ea typeface="Barlow" pitchFamily="34" charset="-122"/>
-              <a:cs typeface="Barlow" pitchFamily="34" charset="-120"/>
-            </a:endParaRPr>
           </a:p>
           <a:p>
             <a:r>
-              <a:rPr lang="en-US" sz="3600" b="1" dirty="0" smtClean="0">
+              <a:rPr lang="en-US" sz="3600" b="1" dirty="0">
                 <a:solidFill>
                   <a:srgbClr val="60A9FF"/>
                 </a:solidFill>
@@ -1331,29 +1375,7 @@
                 <a:ea typeface="Montserrat" pitchFamily="34" charset="-122"/>
                 <a:cs typeface="Montserrat" pitchFamily="34" charset="-120"/>
               </a:rPr>
-              <a:t> </a:t>
-            </a:r>
-            <a:r>
-              <a:rPr lang="en-US" sz="2000" dirty="0" smtClean="0">
-                <a:solidFill>
-                  <a:srgbClr val="EEEFF5"/>
-                </a:solidFill>
-                <a:latin typeface="Montserrat" pitchFamily="34" charset="0"/>
-                <a:ea typeface="Montserrat" pitchFamily="34" charset="-122"/>
-                <a:cs typeface="Montserrat" pitchFamily="34" charset="-120"/>
-              </a:rPr>
-              <a:t>- changing </a:t>
-            </a:r>
-            <a:r>
-              <a:rPr lang="en-US" sz="2000" dirty="0">
-                <a:solidFill>
-                  <a:srgbClr val="EEEFF5"/>
-                </a:solidFill>
-                <a:latin typeface="Montserrat" pitchFamily="34" charset="0"/>
-                <a:ea typeface="Montserrat" pitchFamily="34" charset="-122"/>
-                <a:cs typeface="Montserrat" pitchFamily="34" charset="-120"/>
-              </a:rPr>
-              <a:t>fitness with AI. It uses machine learning and data analysis to give personalized fitness solutions that adapt to each person. From custom workouts to nutrition tips and recovery help, AI </a:t>
+              <a:t> - changing fitness with AI. It uses machine learning and data analysis to give personalized fitness solutions that adapt to each person. From custom workouts to nutrition tips and recovery help, AI </a:t>
             </a:r>
             <a:r>
               <a:rPr lang="en-US" sz="2000" dirty="0" err="1">
@@ -1409,7 +1431,7 @@
               <a:buNone/>
             </a:pPr>
             <a:r>
-              <a:rPr lang="en-US" sz="2187" b="1" dirty="0" smtClean="0">
+              <a:rPr lang="en-US" sz="2187" b="1" dirty="0">
                 <a:solidFill>
                   <a:srgbClr val="EEEFF5"/>
                 </a:solidFill>
@@ -1428,7 +1450,7 @@
               <a:buNone/>
             </a:pPr>
             <a:r>
-              <a:rPr lang="en-US" sz="2187" b="1" dirty="0" smtClean="0">
+              <a:rPr lang="en-US" sz="2187" b="1" dirty="0">
                 <a:solidFill>
                   <a:srgbClr val="EEEFF5"/>
                 </a:solidFill>
@@ -1447,17 +1469,6 @@
               <a:buNone/>
             </a:pPr>
             <a:r>
-              <a:rPr lang="en-US" sz="2187" b="1" dirty="0" smtClean="0">
-                <a:solidFill>
-                  <a:srgbClr val="EEEFF5"/>
-                </a:solidFill>
-                <a:latin typeface="Montserrat" pitchFamily="34" charset="0"/>
-                <a:ea typeface="Montserrat" pitchFamily="34" charset="-122"/>
-                <a:cs typeface="Montserrat" pitchFamily="34" charset="-120"/>
-              </a:rPr>
-              <a:t>MOHAMED </a:t>
-            </a:r>
-            <a:r>
               <a:rPr lang="en-US" sz="2187" b="1" dirty="0">
                 <a:solidFill>
                   <a:srgbClr val="EEEFF5"/>
@@ -1466,7 +1477,26 @@
                 <a:ea typeface="Montserrat" pitchFamily="34" charset="-122"/>
                 <a:cs typeface="Montserrat" pitchFamily="34" charset="-120"/>
               </a:rPr>
-              <a:t>HUSSAIN </a:t>
+              <a:t>MOHAMED HUSSAIN</a:t>
+            </a:r>
+          </a:p>
+          <a:p>
+            <a:pPr marL="0" indent="0" algn="l">
+              <a:lnSpc>
+                <a:spcPts val="3062"/>
+              </a:lnSpc>
+              <a:buNone/>
+            </a:pPr>
+            <a:r>
+              <a:rPr lang="en-US" sz="2187" b="1">
+                <a:solidFill>
+                  <a:srgbClr val="EEEFF5"/>
+                </a:solidFill>
+                <a:latin typeface="Montserrat" pitchFamily="34" charset="0"/>
+                <a:ea typeface="Montserrat" pitchFamily="34" charset="-122"/>
+                <a:cs typeface="Montserrat" pitchFamily="34" charset="-120"/>
+              </a:rPr>
+              <a:t>NATHANIEL ABISHEK A </a:t>
             </a:r>
             <a:endParaRPr lang="en-US" sz="2187" dirty="0"/>
           </a:p>
@@ -1477,13 +1507,13 @@
   <p:clrMapOvr>
     <a:masterClrMapping/>
   </p:clrMapOvr>
-  <mc:AlternateContent xmlns:mc="http://schemas.openxmlformats.org/markup-compatibility/2006">
-    <mc:Choice xmlns:p14="http://schemas.microsoft.com/office/powerpoint/2010/main" Requires="p14">
+  <mc:AlternateContent xmlns:mc="http://schemas.openxmlformats.org/markup-compatibility/2006" xmlns:p14="http://schemas.microsoft.com/office/powerpoint/2010/main">
+    <mc:Choice Requires="p14">
       <p:transition spd="med" p14:dur="700">
         <p:fade/>
       </p:transition>
     </mc:Choice>
-    <mc:Fallback>
+    <mc:Fallback xmlns="">
       <p:transition spd="med">
         <p:fade/>
       </p:transition>
@@ -1801,7 +1831,7 @@
               <a:buNone/>
             </a:pPr>
             <a:r>
-              <a:rPr lang="en-US" sz="2624" b="1" dirty="0" smtClean="0">
+              <a:rPr lang="en-US" sz="2624" b="1" dirty="0">
                 <a:solidFill>
                   <a:srgbClr val="60A9FF"/>
                 </a:solidFill>
@@ -1883,7 +1913,7 @@
               <a:t>The application harnesses the power of artificial intelligence (AI) to provide tailored fitness solutions, including personalized workout routines, nutritional recommendations, and progress </a:t>
             </a:r>
             <a:r>
-              <a:rPr lang="en-US" sz="1700" dirty="0" err="1" smtClean="0">
+              <a:rPr lang="en-US" sz="1700" dirty="0" err="1">
                 <a:solidFill>
                   <a:schemeClr val="bg1"/>
                 </a:solidFill>
@@ -1893,16 +1923,6 @@
               <a:t>tracking.Provision</a:t>
             </a:r>
             <a:r>
-              <a:rPr lang="en-US" sz="1700" dirty="0" smtClean="0">
-                <a:solidFill>
-                  <a:schemeClr val="bg1"/>
-                </a:solidFill>
-                <a:latin typeface="Montserrat"/>
-                <a:ea typeface="Montserrat"/>
-              </a:rPr>
-              <a:t> </a:t>
-            </a:r>
-            <a:r>
               <a:rPr lang="en-US" sz="1700" dirty="0">
                 <a:solidFill>
                   <a:schemeClr val="bg1"/>
@@ -1910,25 +1930,8 @@
                 <a:latin typeface="Montserrat"/>
                 <a:ea typeface="Montserrat"/>
               </a:rPr>
-              <a:t>of real-time feedback and insights to users for enhanced </a:t>
+              <a:t> of real-time feedback and insights to users for enhanced guidance.</a:t>
             </a:r>
-            <a:r>
-              <a:rPr lang="en-US" sz="1700" dirty="0" smtClean="0">
-                <a:solidFill>
-                  <a:schemeClr val="bg1"/>
-                </a:solidFill>
-                <a:latin typeface="Montserrat"/>
-                <a:ea typeface="Montserrat"/>
-              </a:rPr>
-              <a:t>guidance.</a:t>
-            </a:r>
-            <a:endParaRPr lang="en-US" sz="1700" dirty="0">
-              <a:solidFill>
-                <a:schemeClr val="bg1"/>
-              </a:solidFill>
-              <a:latin typeface="Montserrat"/>
-              <a:ea typeface="Montserrat"/>
-            </a:endParaRPr>
           </a:p>
         </p:txBody>
       </p:sp>
@@ -2030,25 +2033,8 @@
                 <a:latin typeface="Montserrat"/>
                 <a:ea typeface="Montserrat"/>
               </a:rPr>
-              <a:t>By integrating machine learning algorithms, the platform adapts to users' evolving needs and preferences, offering real-time feedback and insights. With a user-friendly interface and seamless integration of AI </a:t>
+              <a:t>By integrating machine learning algorithms, the platform adapts to users' evolving needs and preferences, offering real-time feedback and insights. With a user-friendly interface and seamless integration of AI technologies. </a:t>
             </a:r>
-            <a:r>
-              <a:rPr lang="en-US" sz="1700" dirty="0" smtClean="0">
-                <a:solidFill>
-                  <a:schemeClr val="bg1"/>
-                </a:solidFill>
-                <a:latin typeface="Montserrat"/>
-                <a:ea typeface="Montserrat"/>
-              </a:rPr>
-              <a:t>technologies. </a:t>
-            </a:r>
-            <a:endParaRPr lang="en-US" sz="1700" dirty="0">
-              <a:solidFill>
-                <a:schemeClr val="bg1"/>
-              </a:solidFill>
-              <a:latin typeface="Montserrat"/>
-              <a:ea typeface="Montserrat"/>
-            </a:endParaRPr>
           </a:p>
         </p:txBody>
       </p:sp>
@@ -2150,27 +2136,7 @@
                 <a:latin typeface="Montserrat"/>
                 <a:ea typeface="Montserrat"/>
               </a:rPr>
-              <a:t>T</a:t>
-            </a:r>
-            <a:r>
-              <a:rPr lang="en-US" sz="1700" dirty="0" smtClean="0">
-                <a:solidFill>
-                  <a:schemeClr val="bg1"/>
-                </a:solidFill>
-                <a:latin typeface="Montserrat"/>
-                <a:ea typeface="Montserrat"/>
-              </a:rPr>
-              <a:t>he </a:t>
-            </a:r>
-            <a:r>
-              <a:rPr lang="en-US" sz="1700" dirty="0">
-                <a:solidFill>
-                  <a:schemeClr val="bg1"/>
-                </a:solidFill>
-                <a:latin typeface="Montserrat"/>
-                <a:ea typeface="Montserrat"/>
-              </a:rPr>
-              <a:t>application aims to empower users to achieve their fitness goals efficiently and effectively. Through this innovative approach, the AI-enabled fitness web application seeks to redefine the way individuals engage with their health and wellness journey.</a:t>
+              <a:t>The application aims to empower users to achieve their fitness goals efficiently and effectively. Through this innovative approach, the AI-enabled fitness web application seeks to redefine the way individuals engage with their health and wellness journey.</a:t>
             </a:r>
           </a:p>
         </p:txBody>
@@ -3992,7 +3958,7 @@
               <a:buNone/>
             </a:pPr>
             <a:r>
-              <a:rPr lang="en-US" sz="1600" dirty="0" smtClean="0">
+              <a:rPr lang="en-US" sz="1600" dirty="0">
                 <a:solidFill>
                   <a:srgbClr val="EEEFF5"/>
                 </a:solidFill>
@@ -4120,17 +4086,6 @@
               <a:buNone/>
             </a:pPr>
             <a:r>
-              <a:rPr lang="en-US" b="1" dirty="0" smtClean="0">
-                <a:solidFill>
-                  <a:srgbClr val="60A9FF"/>
-                </a:solidFill>
-                <a:latin typeface="Barlow" pitchFamily="34" charset="0"/>
-                <a:ea typeface="Barlow" pitchFamily="34" charset="-122"/>
-                <a:cs typeface="Barlow" pitchFamily="34" charset="-120"/>
-              </a:rPr>
-              <a:t>Machine </a:t>
-            </a:r>
-            <a:r>
               <a:rPr lang="en-US" b="1" dirty="0">
                 <a:solidFill>
                   <a:srgbClr val="60A9FF"/>
@@ -4139,7 +4094,7 @@
                 <a:ea typeface="Barlow" pitchFamily="34" charset="-122"/>
                 <a:cs typeface="Barlow" pitchFamily="34" charset="-120"/>
               </a:rPr>
-              <a:t>Learning Efficiency</a:t>
+              <a:t>Machine Learning Efficiency</a:t>
             </a:r>
             <a:endParaRPr lang="en-US" dirty="0"/>
           </a:p>
@@ -4935,7 +4890,7 @@
               <a:buNone/>
             </a:pPr>
             <a:r>
-              <a:rPr lang="en-US" b="1" dirty="0" smtClean="0">
+              <a:rPr lang="en-US" b="1" dirty="0">
                 <a:solidFill>
                   <a:srgbClr val="60A9FF"/>
                 </a:solidFill>
@@ -7171,7 +7126,7 @@
   <a:extraClrSchemeLst/>
   <a:extLst>
     <a:ext uri="{05A4C25C-085E-4340-85A3-A5531E510DB2}">
-      <thm15:themeFamily xmlns:thm15="http://schemas.microsoft.com/office/thememl/2012/main" xmlns="" name="Office Theme" id="{62F939B6-93AF-4DB8-9C6B-D6C7DFDC589F}" vid="{4A3C46E8-61CC-4603-A589-7422A47A8E4A}"/>
+      <thm15:themeFamily xmlns:thm15="http://schemas.microsoft.com/office/thememl/2012/main" name="Office Theme" id="{62F939B6-93AF-4DB8-9C6B-D6C7DFDC589F}" vid="{4A3C46E8-61CC-4603-A589-7422A47A8E4A}"/>
     </a:ext>
   </a:extLst>
 </a:theme>
